--- a/doc/算法演示.pptx
+++ b/doc/算法演示.pptx
@@ -8,6 +8,7 @@
     <p:sldId id="257" r:id="rId3"/>
     <p:sldId id="256" r:id="rId4"/>
     <p:sldId id="258" r:id="rId5"/>
+    <p:sldId id="260" r:id="rId6"/>
   </p:sldIdLst>
   <p:sldSz cx="12192000" cy="6858000"/>
   <p:notesSz cx="7103745" cy="10234295"/>
@@ -2646,7 +2647,6 @@
             <a:pPr algn="l"/>
             <a:br>
               <a:rPr lang="en-US" altLang="zh-CN" sz="2000">
-                <a:ln/>
                 <a:solidFill>
                   <a:schemeClr val="tx1"/>
                 </a:solidFill>
@@ -2664,7 +2664,6 @@
             </a:br>
             <a:r>
               <a:rPr lang="en-US" altLang="zh-CN" sz="2000">
-                <a:ln/>
                 <a:solidFill>
                   <a:schemeClr val="tx1"/>
                 </a:solidFill>
@@ -2683,7 +2682,6 @@
             </a:r>
             <a:r>
               <a:rPr lang="en-US" altLang="zh-CN" sz="2500">
-                <a:ln/>
                 <a:solidFill>
                   <a:srgbClr val="C00000"/>
                 </a:solidFill>
@@ -2702,7 +2700,6 @@
             </a:r>
             <a:r>
               <a:rPr lang="zh-CN" altLang="en-US" sz="2500">
-                <a:ln/>
                 <a:solidFill>
                   <a:srgbClr val="C00000"/>
                 </a:solidFill>
@@ -2721,7 +2718,6 @@
             </a:r>
             <a:r>
               <a:rPr lang="en-US" altLang="zh-CN" sz="2500">
-                <a:ln/>
                 <a:solidFill>
                   <a:srgbClr val="C00000"/>
                 </a:solidFill>
@@ -2740,7 +2736,6 @@
             </a:r>
             <a:r>
               <a:rPr lang="zh-CN" altLang="en-US" sz="2500">
-                <a:ln/>
                 <a:solidFill>
                   <a:srgbClr val="C00000"/>
                 </a:solidFill>
@@ -2759,7 +2754,6 @@
             </a:r>
             <a:br>
               <a:rPr lang="en-US" altLang="zh-CN" sz="2500">
-                <a:ln/>
                 <a:solidFill>
                   <a:srgbClr val="C00000"/>
                 </a:solidFill>
@@ -2777,7 +2771,6 @@
             </a:br>
             <a:br>
               <a:rPr lang="en-US" altLang="zh-CN" sz="2000">
-                <a:ln/>
                 <a:solidFill>
                   <a:schemeClr val="tx1"/>
                 </a:solidFill>
@@ -2795,7 +2788,6 @@
             </a:br>
             <a:br>
               <a:rPr lang="en-US" altLang="zh-CN" sz="2000">
-                <a:ln/>
                 <a:solidFill>
                   <a:schemeClr val="accent6"/>
                 </a:solidFill>
@@ -2813,7 +2805,6 @@
             </a:br>
             <a:r>
               <a:rPr lang="en-US" altLang="zh-CN" sz="2000">
-                <a:ln/>
                 <a:solidFill>
                   <a:schemeClr val="accent6"/>
                 </a:solidFill>
@@ -2832,7 +2823,6 @@
             </a:r>
             <a:r>
               <a:rPr lang="en-US" altLang="zh-CN" sz="2000">
-                <a:ln/>
                 <a:solidFill>
                   <a:schemeClr val="tx1"/>
                 </a:solidFill>
@@ -2850,7 +2840,6 @@
               <a:t> 给你一个非负整数数组 nums ，你最初位于数组的第一个位置。数组中的每个元素代表你在该位置可以跳跃的最大长度。你的目标是使用最少的跳跃次数到达数组的最后一个位置。假设你总是可以到达数组的最后一个位置。</a:t>
             </a:r>
             <a:endParaRPr lang="en-US" altLang="zh-CN" sz="2000">
-              <a:ln/>
               <a:solidFill>
                 <a:schemeClr val="tx1"/>
               </a:solidFill>
@@ -4323,42 +4312,72 @@
         <p:nvPr/>
       </p:nvGrpSpPr>
       <p:grpSpPr/>
-      <p:sp>
-        <p:nvSpPr>
-          <p:cNvPr id="2" name="标题 1"/>
-          <p:cNvSpPr>
-            <a:spLocks noGrp="1"/>
-          </p:cNvSpPr>
-          <p:nvPr>
-            <p:ph type="ctrTitle"/>
-          </p:nvPr>
-        </p:nvSpPr>
-        <p:spPr/>
-        <p:txBody>
-          <a:bodyPr/>
-          <a:p>
-            <a:endParaRPr lang="zh-CN" altLang="en-US"/>
-          </a:p>
-        </p:txBody>
-      </p:sp>
-      <p:sp>
-        <p:nvSpPr>
-          <p:cNvPr id="3" name="副标题 2"/>
-          <p:cNvSpPr>
-            <a:spLocks noGrp="1"/>
-          </p:cNvSpPr>
-          <p:nvPr>
-            <p:ph type="subTitle" idx="1"/>
-          </p:nvPr>
-        </p:nvSpPr>
-        <p:spPr/>
-        <p:txBody>
-          <a:bodyPr/>
-          <a:p>
-            <a:endParaRPr lang="zh-CN" altLang="en-US"/>
-          </a:p>
-        </p:txBody>
-      </p:sp>
+      <p:pic>
+        <p:nvPicPr>
+          <p:cNvPr id="4" name="图片 3"/>
+          <p:cNvPicPr>
+            <a:picLocks noChangeAspect="1"/>
+          </p:cNvPicPr>
+          <p:nvPr/>
+        </p:nvPicPr>
+        <p:blipFill>
+          <a:blip r:embed="rId1"/>
+          <a:stretch>
+            <a:fillRect/>
+          </a:stretch>
+        </p:blipFill>
+        <p:spPr>
+          <a:xfrm>
+            <a:off x="3125470" y="394335"/>
+            <a:ext cx="5403215" cy="6216015"/>
+          </a:xfrm>
+          <a:prstGeom prst="rect">
+            <a:avLst/>
+          </a:prstGeom>
+        </p:spPr>
+      </p:pic>
+    </p:spTree>
+  </p:cSld>
+  <p:clrMapOvr>
+    <a:masterClrMapping/>
+  </p:clrMapOvr>
+</p:sld>
+</file>
+
+<file path=ppt/slides/slide4.xml><?xml version="1.0" encoding="utf-8"?>
+<p:sld xmlns:a="http://schemas.openxmlformats.org/drawingml/2006/main" xmlns:r="http://schemas.openxmlformats.org/officeDocument/2006/relationships" xmlns:p="http://schemas.openxmlformats.org/presentationml/2006/main">
+  <p:cSld>
+    <p:spTree>
+      <p:nvGrpSpPr>
+        <p:cNvPr id="1" name=""/>
+        <p:cNvGrpSpPr/>
+        <p:nvPr/>
+      </p:nvGrpSpPr>
+      <p:grpSpPr/>
+      <p:pic>
+        <p:nvPicPr>
+          <p:cNvPr id="4" name="图片 3"/>
+          <p:cNvPicPr>
+            <a:picLocks noChangeAspect="1"/>
+          </p:cNvPicPr>
+          <p:nvPr/>
+        </p:nvPicPr>
+        <p:blipFill>
+          <a:blip r:embed="rId1"/>
+          <a:stretch>
+            <a:fillRect/>
+          </a:stretch>
+        </p:blipFill>
+        <p:spPr>
+          <a:xfrm>
+            <a:off x="2902585" y="180340"/>
+            <a:ext cx="5792470" cy="6496685"/>
+          </a:xfrm>
+          <a:prstGeom prst="rect">
+            <a:avLst/>
+          </a:prstGeom>
+        </p:spPr>
+      </p:pic>
     </p:spTree>
   </p:cSld>
   <p:clrMapOvr>
